--- a/nge-final-slide.pptx
+++ b/nge-final-slide.pptx
@@ -1,6 +1,6 @@
 
 <file path=ppt/presentation.xml><?xml version="1.0" encoding="utf-8"?>
-<p:presentation xmlns:a="http://schemas.openxmlformats.org/drawingml/2006/main" xmlns:r="http://schemas.openxmlformats.org/officeDocument/2006/relationships" xmlns:p="http://schemas.openxmlformats.org/presentationml/2006/main" saveSubsetFonts="1">
+<p:presentation xmlns:a="http://schemas.openxmlformats.org/drawingml/2006/main" xmlns:r="http://schemas.openxmlformats.org/officeDocument/2006/relationships" xmlns:p="http://schemas.openxmlformats.org/presentationml/2006/main" embedTrueTypeFonts="1">
   <p:sldMasterIdLst>
     <p:sldMasterId id="2147483648" r:id="rId1"/>
   </p:sldMasterIdLst>
@@ -9,6 +9,24 @@
   </p:sldIdLst>
   <p:sldSz cx="12192000" cy="6858000"/>
   <p:notesSz cx="6858000" cy="9144000"/>
+  <p:embeddedFontLst>
+    <p:embeddedFont>
+      <p:font typeface="TimesNewRomanMT-Condensed" panose="02020800000000000000" pitchFamily="18" charset="0"/>
+      <p:bold r:id="rId3"/>
+    </p:embeddedFont>
+    <p:embeddedFont>
+      <p:font typeface="Calibri Light" panose="020F0302020204030204" pitchFamily="34" charset="0"/>
+      <p:regular r:id="rId4"/>
+      <p:italic r:id="rId5"/>
+    </p:embeddedFont>
+    <p:embeddedFont>
+      <p:font typeface="Calibri" panose="020F0502020204030204" pitchFamily="34" charset="0"/>
+      <p:regular r:id="rId6"/>
+      <p:bold r:id="rId7"/>
+      <p:italic r:id="rId8"/>
+      <p:boldItalic r:id="rId9"/>
+    </p:embeddedFont>
+  </p:embeddedFontLst>
   <p:defaultTextStyle>
     <a:defPPr>
       <a:defRPr lang="en-US"/>
@@ -243,7 +261,7 @@
           <a:p>
             <a:fld id="{7F112B77-1B33-4450-B4DA-9597678D1C5E}" type="datetimeFigureOut">
               <a:rPr lang="en-US" smtClean="0"/>
-              <a:t>2021-02-05</a:t>
+              <a:t>2021-02-09</a:t>
             </a:fld>
             <a:endParaRPr lang="en-US"/>
           </a:p>
@@ -413,7 +431,7 @@
           <a:p>
             <a:fld id="{7F112B77-1B33-4450-B4DA-9597678D1C5E}" type="datetimeFigureOut">
               <a:rPr lang="en-US" smtClean="0"/>
-              <a:t>2021-02-05</a:t>
+              <a:t>2021-02-09</a:t>
             </a:fld>
             <a:endParaRPr lang="en-US"/>
           </a:p>
@@ -593,7 +611,7 @@
           <a:p>
             <a:fld id="{7F112B77-1B33-4450-B4DA-9597678D1C5E}" type="datetimeFigureOut">
               <a:rPr lang="en-US" smtClean="0"/>
-              <a:t>2021-02-05</a:t>
+              <a:t>2021-02-09</a:t>
             </a:fld>
             <a:endParaRPr lang="en-US"/>
           </a:p>
@@ -763,7 +781,7 @@
           <a:p>
             <a:fld id="{7F112B77-1B33-4450-B4DA-9597678D1C5E}" type="datetimeFigureOut">
               <a:rPr lang="en-US" smtClean="0"/>
-              <a:t>2021-02-05</a:t>
+              <a:t>2021-02-09</a:t>
             </a:fld>
             <a:endParaRPr lang="en-US"/>
           </a:p>
@@ -1009,7 +1027,7 @@
           <a:p>
             <a:fld id="{7F112B77-1B33-4450-B4DA-9597678D1C5E}" type="datetimeFigureOut">
               <a:rPr lang="en-US" smtClean="0"/>
-              <a:t>2021-02-05</a:t>
+              <a:t>2021-02-09</a:t>
             </a:fld>
             <a:endParaRPr lang="en-US"/>
           </a:p>
@@ -1241,7 +1259,7 @@
           <a:p>
             <a:fld id="{7F112B77-1B33-4450-B4DA-9597678D1C5E}" type="datetimeFigureOut">
               <a:rPr lang="en-US" smtClean="0"/>
-              <a:t>2021-02-05</a:t>
+              <a:t>2021-02-09</a:t>
             </a:fld>
             <a:endParaRPr lang="en-US"/>
           </a:p>
@@ -1608,7 +1626,7 @@
           <a:p>
             <a:fld id="{7F112B77-1B33-4450-B4DA-9597678D1C5E}" type="datetimeFigureOut">
               <a:rPr lang="en-US" smtClean="0"/>
-              <a:t>2021-02-05</a:t>
+              <a:t>2021-02-09</a:t>
             </a:fld>
             <a:endParaRPr lang="en-US"/>
           </a:p>
@@ -1726,7 +1744,7 @@
           <a:p>
             <a:fld id="{7F112B77-1B33-4450-B4DA-9597678D1C5E}" type="datetimeFigureOut">
               <a:rPr lang="en-US" smtClean="0"/>
-              <a:t>2021-02-05</a:t>
+              <a:t>2021-02-09</a:t>
             </a:fld>
             <a:endParaRPr lang="en-US"/>
           </a:p>
@@ -1821,7 +1839,7 @@
           <a:p>
             <a:fld id="{7F112B77-1B33-4450-B4DA-9597678D1C5E}" type="datetimeFigureOut">
               <a:rPr lang="en-US" smtClean="0"/>
-              <a:t>2021-02-05</a:t>
+              <a:t>2021-02-09</a:t>
             </a:fld>
             <a:endParaRPr lang="en-US"/>
           </a:p>
@@ -2098,7 +2116,7 @@
           <a:p>
             <a:fld id="{7F112B77-1B33-4450-B4DA-9597678D1C5E}" type="datetimeFigureOut">
               <a:rPr lang="en-US" smtClean="0"/>
-              <a:t>2021-02-05</a:t>
+              <a:t>2021-02-09</a:t>
             </a:fld>
             <a:endParaRPr lang="en-US"/>
           </a:p>
@@ -2351,7 +2369,7 @@
           <a:p>
             <a:fld id="{7F112B77-1B33-4450-B4DA-9597678D1C5E}" type="datetimeFigureOut">
               <a:rPr lang="en-US" smtClean="0"/>
-              <a:t>2021-02-05</a:t>
+              <a:t>2021-02-09</a:t>
             </a:fld>
             <a:endParaRPr lang="en-US"/>
           </a:p>
@@ -2564,7 +2582,7 @@
           <a:p>
             <a:fld id="{7F112B77-1B33-4450-B4DA-9597678D1C5E}" type="datetimeFigureOut">
               <a:rPr lang="en-US" smtClean="0"/>
-              <a:t>2021-02-05</a:t>
+              <a:t>2021-02-09</a:t>
             </a:fld>
             <a:endParaRPr lang="en-US"/>
           </a:p>
